--- a/Conicyt.pptx
+++ b/Conicyt.pptx
@@ -7,6 +7,7 @@
   <p:sldIdLst>
     <p:sldId id="256" r:id="rId2"/>
     <p:sldId id="257" r:id="rId3"/>
+    <p:sldId id="258" r:id="rId4"/>
   </p:sldIdLst>
   <p:sldSz cx="12192000" cy="6858000"/>
   <p:notesSz cx="6858000" cy="9144000"/>
@@ -105,6 +106,11 @@
       </a:defRPr>
     </a:lvl9pPr>
   </p:defaultTextStyle>
+  <p:extLst>
+    <p:ext uri="{EFAFB233-063F-42B5-8137-9DF3F51BA10A}">
+      <p15:sldGuideLst xmlns:p15="http://schemas.microsoft.com/office/powerpoint/2012/main"/>
+    </p:ext>
+  </p:extLst>
 </p:presentation>
 </file>
 
@@ -118,6 +124,10 @@
     </p:extLst>
   </p:cmAuthor>
 </p:cmAuthorLst>
+</file>
+
+<file path=ppt/revisionInfo.xml><?xml version="1.0" encoding="utf-8"?>
+<p1510:revInfo xmlns:a="http://schemas.openxmlformats.org/drawingml/2006/main" xmlns:r="http://schemas.openxmlformats.org/officeDocument/2006/relationships" xmlns:p1510="http://schemas.microsoft.com/office/powerpoint/2015/10/main"/>
 </file>
 
 <file path=ppt/slideLayouts/slideLayout1.xml><?xml version="1.0" encoding="utf-8"?>
@@ -251,7 +261,7 @@
           <a:p>
             <a:fld id="{1957C17B-7EF6-4E10-B9EE-BC48F15E52F9}" type="datetimeFigureOut">
               <a:rPr lang="es-CL" smtClean="0"/>
-              <a:t>30-06-2017</a:t>
+              <a:t>02-07-2017</a:t>
             </a:fld>
             <a:endParaRPr lang="es-CL"/>
           </a:p>
@@ -421,7 +431,7 @@
           <a:p>
             <a:fld id="{1957C17B-7EF6-4E10-B9EE-BC48F15E52F9}" type="datetimeFigureOut">
               <a:rPr lang="es-CL" smtClean="0"/>
-              <a:t>30-06-2017</a:t>
+              <a:t>02-07-2017</a:t>
             </a:fld>
             <a:endParaRPr lang="es-CL"/>
           </a:p>
@@ -601,7 +611,7 @@
           <a:p>
             <a:fld id="{1957C17B-7EF6-4E10-B9EE-BC48F15E52F9}" type="datetimeFigureOut">
               <a:rPr lang="es-CL" smtClean="0"/>
-              <a:t>30-06-2017</a:t>
+              <a:t>02-07-2017</a:t>
             </a:fld>
             <a:endParaRPr lang="es-CL"/>
           </a:p>
@@ -771,7 +781,7 @@
           <a:p>
             <a:fld id="{1957C17B-7EF6-4E10-B9EE-BC48F15E52F9}" type="datetimeFigureOut">
               <a:rPr lang="es-CL" smtClean="0"/>
-              <a:t>30-06-2017</a:t>
+              <a:t>02-07-2017</a:t>
             </a:fld>
             <a:endParaRPr lang="es-CL"/>
           </a:p>
@@ -1017,7 +1027,7 @@
           <a:p>
             <a:fld id="{1957C17B-7EF6-4E10-B9EE-BC48F15E52F9}" type="datetimeFigureOut">
               <a:rPr lang="es-CL" smtClean="0"/>
-              <a:t>30-06-2017</a:t>
+              <a:t>02-07-2017</a:t>
             </a:fld>
             <a:endParaRPr lang="es-CL"/>
           </a:p>
@@ -1249,7 +1259,7 @@
           <a:p>
             <a:fld id="{1957C17B-7EF6-4E10-B9EE-BC48F15E52F9}" type="datetimeFigureOut">
               <a:rPr lang="es-CL" smtClean="0"/>
-              <a:t>30-06-2017</a:t>
+              <a:t>02-07-2017</a:t>
             </a:fld>
             <a:endParaRPr lang="es-CL"/>
           </a:p>
@@ -1616,7 +1626,7 @@
           <a:p>
             <a:fld id="{1957C17B-7EF6-4E10-B9EE-BC48F15E52F9}" type="datetimeFigureOut">
               <a:rPr lang="es-CL" smtClean="0"/>
-              <a:t>30-06-2017</a:t>
+              <a:t>02-07-2017</a:t>
             </a:fld>
             <a:endParaRPr lang="es-CL"/>
           </a:p>
@@ -1734,7 +1744,7 @@
           <a:p>
             <a:fld id="{1957C17B-7EF6-4E10-B9EE-BC48F15E52F9}" type="datetimeFigureOut">
               <a:rPr lang="es-CL" smtClean="0"/>
-              <a:t>30-06-2017</a:t>
+              <a:t>02-07-2017</a:t>
             </a:fld>
             <a:endParaRPr lang="es-CL"/>
           </a:p>
@@ -1829,7 +1839,7 @@
           <a:p>
             <a:fld id="{1957C17B-7EF6-4E10-B9EE-BC48F15E52F9}" type="datetimeFigureOut">
               <a:rPr lang="es-CL" smtClean="0"/>
-              <a:t>30-06-2017</a:t>
+              <a:t>02-07-2017</a:t>
             </a:fld>
             <a:endParaRPr lang="es-CL"/>
           </a:p>
@@ -2106,7 +2116,7 @@
           <a:p>
             <a:fld id="{1957C17B-7EF6-4E10-B9EE-BC48F15E52F9}" type="datetimeFigureOut">
               <a:rPr lang="es-CL" smtClean="0"/>
-              <a:t>30-06-2017</a:t>
+              <a:t>02-07-2017</a:t>
             </a:fld>
             <a:endParaRPr lang="es-CL"/>
           </a:p>
@@ -2359,7 +2369,7 @@
           <a:p>
             <a:fld id="{1957C17B-7EF6-4E10-B9EE-BC48F15E52F9}" type="datetimeFigureOut">
               <a:rPr lang="es-CL" smtClean="0"/>
-              <a:t>30-06-2017</a:t>
+              <a:t>02-07-2017</a:t>
             </a:fld>
             <a:endParaRPr lang="es-CL"/>
           </a:p>
@@ -2572,7 +2582,7 @@
           <a:p>
             <a:fld id="{1957C17B-7EF6-4E10-B9EE-BC48F15E52F9}" type="datetimeFigureOut">
               <a:rPr lang="es-CL" smtClean="0"/>
-              <a:t>30-06-2017</a:t>
+              <a:t>02-07-2017</a:t>
             </a:fld>
             <a:endParaRPr lang="es-CL"/>
           </a:p>
@@ -3020,7 +3030,7 @@
           <a:p>
             <a:pPr algn="ctr"/>
             <a:r>
-              <a:rPr lang="es-CL" sz="1100" dirty="0">
+              <a:rPr lang="es-CL" sz="1100">
                 <a:solidFill>
                   <a:schemeClr val="tx1"/>
                 </a:solidFill>
@@ -3029,7 +3039,7 @@
               <a:t>                          </a:t>
             </a:r>
             <a:r>
-              <a:rPr lang="es-CL" sz="1100" dirty="0" err="1">
+              <a:rPr lang="es-CL" sz="1100" err="1">
                 <a:solidFill>
                   <a:schemeClr val="tx1"/>
                 </a:solidFill>
@@ -3038,7 +3048,7 @@
               <a:t>Kick</a:t>
             </a:r>
             <a:r>
-              <a:rPr lang="es-CL" sz="1100" dirty="0">
+              <a:rPr lang="es-CL" sz="1100">
                 <a:solidFill>
                   <a:schemeClr val="tx1"/>
                 </a:solidFill>
@@ -3092,7 +3102,7 @@
           <a:p>
             <a:pPr algn="ctr"/>
             <a:r>
-              <a:rPr lang="es-CL" sz="1100" dirty="0">
+              <a:rPr lang="es-CL" sz="1100">
                 <a:solidFill>
                   <a:schemeClr val="tx1"/>
                 </a:solidFill>
@@ -3100,7 +3110,7 @@
               <a:t>                                 </a:t>
             </a:r>
             <a:r>
-              <a:rPr lang="es-CL" sz="1100" dirty="0">
+              <a:rPr lang="es-CL" sz="1100">
                 <a:solidFill>
                   <a:schemeClr val="tx1"/>
                 </a:solidFill>
@@ -3112,7 +3122,7 @@
           <a:p>
             <a:pPr algn="ctr"/>
             <a:r>
-              <a:rPr lang="es-CL" sz="1100" dirty="0">
+              <a:rPr lang="es-CL" sz="1100">
                 <a:solidFill>
                   <a:schemeClr val="tx1"/>
                 </a:solidFill>
@@ -3124,7 +3134,7 @@
           <a:p>
             <a:pPr algn="ctr"/>
             <a:r>
-              <a:rPr lang="es-CL" sz="1100" dirty="0">
+              <a:rPr lang="es-CL" sz="1100">
                 <a:solidFill>
                   <a:schemeClr val="tx1"/>
                 </a:solidFill>
@@ -3178,7 +3188,7 @@
           <a:p>
             <a:pPr algn="ctr"/>
             <a:r>
-              <a:rPr lang="es-CL" sz="1100" dirty="0">
+              <a:rPr lang="es-CL" sz="1100">
                 <a:solidFill>
                   <a:schemeClr val="tx1"/>
                 </a:solidFill>
@@ -3190,7 +3200,7 @@
           <a:p>
             <a:pPr algn="ctr"/>
             <a:r>
-              <a:rPr lang="es-CL" sz="1100" dirty="0">
+              <a:rPr lang="es-CL" sz="1100">
                 <a:solidFill>
                   <a:schemeClr val="tx1"/>
                 </a:solidFill>
@@ -3244,7 +3254,7 @@
           <a:p>
             <a:pPr algn="ctr"/>
             <a:r>
-              <a:rPr lang="es-CL" sz="1100" dirty="0">
+              <a:rPr lang="es-CL" sz="1100">
                 <a:solidFill>
                   <a:schemeClr val="tx1"/>
                 </a:solidFill>
@@ -3256,7 +3266,7 @@
           <a:p>
             <a:pPr algn="ctr"/>
             <a:r>
-              <a:rPr lang="es-CL" sz="1100" dirty="0">
+              <a:rPr lang="es-CL" sz="1100">
                 <a:solidFill>
                   <a:schemeClr val="tx1"/>
                 </a:solidFill>
@@ -3268,7 +3278,7 @@
           <a:p>
             <a:pPr algn="ctr"/>
             <a:r>
-              <a:rPr lang="es-CL" sz="1100" dirty="0">
+              <a:rPr lang="es-CL" sz="1100">
                 <a:solidFill>
                   <a:schemeClr val="tx1"/>
                 </a:solidFill>
@@ -3321,7 +3331,7 @@
           <a:lstStyle/>
           <a:p>
             <a:pPr algn="ctr"/>
-            <a:endParaRPr lang="es-CL" sz="1100" dirty="0">
+            <a:endParaRPr lang="es-CL" sz="1100">
               <a:solidFill>
                 <a:schemeClr val="tx1"/>
               </a:solidFill>
@@ -3331,7 +3341,7 @@
           <a:p>
             <a:pPr algn="ctr"/>
             <a:r>
-              <a:rPr lang="es-CL" sz="1100" dirty="0">
+              <a:rPr lang="es-CL" sz="1100">
                 <a:solidFill>
                   <a:schemeClr val="tx1"/>
                 </a:solidFill>
@@ -3343,7 +3353,7 @@
           <a:p>
             <a:pPr algn="ctr"/>
             <a:r>
-              <a:rPr lang="es-CL" sz="1100" dirty="0">
+              <a:rPr lang="es-CL" sz="1100">
                 <a:solidFill>
                   <a:schemeClr val="tx1"/>
                 </a:solidFill>
@@ -3355,7 +3365,7 @@
           <a:p>
             <a:pPr algn="ctr"/>
             <a:r>
-              <a:rPr lang="es-CL" sz="1100" dirty="0">
+              <a:rPr lang="es-CL" sz="1100">
                 <a:solidFill>
                   <a:schemeClr val="tx1"/>
                 </a:solidFill>
@@ -3367,7 +3377,7 @@
           <a:p>
             <a:pPr algn="ctr"/>
             <a:r>
-              <a:rPr lang="es-CL" sz="1100" dirty="0">
+              <a:rPr lang="es-CL" sz="1100">
                 <a:solidFill>
                   <a:schemeClr val="tx1"/>
                 </a:solidFill>
@@ -3421,7 +3431,7 @@
           <a:p>
             <a:pPr algn="ctr"/>
             <a:r>
-              <a:rPr lang="es-CL" sz="1100" dirty="0">
+              <a:rPr lang="es-CL" sz="1100">
                 <a:solidFill>
                   <a:schemeClr val="tx1"/>
                 </a:solidFill>
@@ -3433,7 +3443,7 @@
           <a:p>
             <a:pPr algn="ctr"/>
             <a:r>
-              <a:rPr lang="es-CL" sz="1100" dirty="0">
+              <a:rPr lang="es-CL" sz="1100">
                 <a:solidFill>
                   <a:schemeClr val="tx1"/>
                 </a:solidFill>
@@ -3445,7 +3455,7 @@
           <a:p>
             <a:pPr algn="ctr"/>
             <a:r>
-              <a:rPr lang="es-CL" sz="1100" dirty="0">
+              <a:rPr lang="es-CL" sz="1100">
                 <a:solidFill>
                   <a:schemeClr val="tx1"/>
                 </a:solidFill>
@@ -3457,7 +3467,7 @@
           <a:p>
             <a:pPr algn="ctr"/>
             <a:r>
-              <a:rPr lang="es-CL" sz="1100" dirty="0">
+              <a:rPr lang="es-CL" sz="1100">
                 <a:solidFill>
                   <a:schemeClr val="tx1"/>
                 </a:solidFill>
@@ -3511,7 +3521,7 @@
           <a:p>
             <a:pPr algn="ctr"/>
             <a:r>
-              <a:rPr lang="es-CL" sz="1100" dirty="0">
+              <a:rPr lang="es-CL" sz="1100">
                 <a:solidFill>
                   <a:schemeClr val="tx1"/>
                 </a:solidFill>
@@ -3523,7 +3533,7 @@
           <a:p>
             <a:pPr algn="ctr"/>
             <a:r>
-              <a:rPr lang="es-CL" sz="1100" dirty="0">
+              <a:rPr lang="es-CL" sz="1100">
                 <a:solidFill>
                   <a:schemeClr val="tx1"/>
                 </a:solidFill>
@@ -3535,7 +3545,7 @@
           <a:p>
             <a:pPr algn="ctr"/>
             <a:r>
-              <a:rPr lang="es-CL" sz="1100" dirty="0">
+              <a:rPr lang="es-CL" sz="1100">
                 <a:solidFill>
                   <a:schemeClr val="tx1"/>
                 </a:solidFill>
@@ -3547,7 +3557,7 @@
           <a:p>
             <a:pPr algn="ctr"/>
             <a:r>
-              <a:rPr lang="es-CL" sz="1100" dirty="0">
+              <a:rPr lang="es-CL" sz="1100">
                 <a:solidFill>
                   <a:schemeClr val="tx1"/>
                 </a:solidFill>
@@ -3575,7 +3585,7 @@
               <a:gd name="adj2" fmla="val 51042"/>
             </a:avLst>
           </a:prstGeom>
-          <a:ln>
+          <a:ln w="19050">
             <a:solidFill>
               <a:schemeClr val="tx1"/>
             </a:solidFill>
@@ -3600,7 +3610,7 @@
           <a:lstStyle/>
           <a:p>
             <a:pPr algn="ctr"/>
-            <a:endParaRPr lang="es-CL"/>
+            <a:endParaRPr lang="es-CL" b="1"/>
           </a:p>
         </p:txBody>
       </p:sp>
@@ -3621,7 +3631,7 @@
               <a:gd name="adj2" fmla="val 51042"/>
             </a:avLst>
           </a:prstGeom>
-          <a:ln>
+          <a:ln w="19050">
             <a:solidFill>
               <a:schemeClr val="tx1"/>
             </a:solidFill>
@@ -3646,7 +3656,7 @@
           <a:lstStyle/>
           <a:p>
             <a:pPr algn="ctr"/>
-            <a:endParaRPr lang="es-CL"/>
+            <a:endParaRPr lang="es-CL" b="1"/>
           </a:p>
         </p:txBody>
       </p:sp>
@@ -3658,13 +3668,18 @@
         </p:nvSpPr>
         <p:spPr>
           <a:xfrm>
-            <a:off x="2213264" y="5991225"/>
-            <a:ext cx="3044536" cy="369332"/>
+            <a:off x="2954483" y="5991225"/>
+            <a:ext cx="2095848" cy="369332"/>
           </a:xfrm>
           <a:prstGeom prst="rect">
             <a:avLst/>
           </a:prstGeom>
           <a:noFill/>
+          <a:ln w="19050">
+            <a:solidFill>
+              <a:schemeClr val="tx1"/>
+            </a:solidFill>
+          </a:ln>
         </p:spPr>
         <p:txBody>
           <a:bodyPr wrap="square" rtlCol="0">
@@ -3672,9 +3687,10 @@
           </a:bodyPr>
           <a:lstStyle/>
           <a:p>
-            <a:r>
-              <a:rPr lang="es-CL" dirty="0"/>
-              <a:t>                           2017</a:t>
+            <a:pPr algn="ctr"/>
+            <a:r>
+              <a:rPr lang="es-CL" b="1"/>
+              <a:t>2017</a:t>
             </a:r>
           </a:p>
         </p:txBody>
@@ -3687,13 +3703,18 @@
         </p:nvSpPr>
         <p:spPr>
           <a:xfrm>
-            <a:off x="7480589" y="5915025"/>
+            <a:off x="6894374" y="5991225"/>
             <a:ext cx="3044536" cy="369332"/>
           </a:xfrm>
           <a:prstGeom prst="rect">
             <a:avLst/>
           </a:prstGeom>
           <a:noFill/>
+          <a:ln w="19050">
+            <a:solidFill>
+              <a:schemeClr val="tx1"/>
+            </a:solidFill>
+          </a:ln>
         </p:spPr>
         <p:txBody>
           <a:bodyPr wrap="square" rtlCol="0">
@@ -3701,9 +3722,42 @@
           </a:bodyPr>
           <a:lstStyle/>
           <a:p>
-            <a:r>
-              <a:rPr lang="es-CL" dirty="0"/>
+            <a:pPr algn="ctr"/>
+            <a:r>
+              <a:rPr lang="es-CL" b="1"/>
               <a:t>2018-2019</a:t>
+            </a:r>
+          </a:p>
+        </p:txBody>
+      </p:sp>
+      <p:sp>
+        <p:nvSpPr>
+          <p:cNvPr id="2" name="CuadroTexto 1"/>
+          <p:cNvSpPr txBox="1"/>
+          <p:nvPr/>
+        </p:nvSpPr>
+        <p:spPr>
+          <a:xfrm>
+            <a:off x="2954483" y="538179"/>
+            <a:ext cx="5413664" cy="338554"/>
+          </a:xfrm>
+          <a:prstGeom prst="rect">
+            <a:avLst/>
+          </a:prstGeom>
+          <a:noFill/>
+        </p:spPr>
+        <p:txBody>
+          <a:bodyPr wrap="square" rtlCol="0">
+            <a:spAutoFit/>
+          </a:bodyPr>
+          <a:lstStyle/>
+          <a:p>
+            <a:pPr algn="ctr"/>
+            <a:r>
+              <a:rPr lang="es-CL" sz="1600">
+                <a:latin typeface="Arial Black" panose="020B0A04020102020204" pitchFamily="34" charset="0"/>
+              </a:rPr>
+              <a:t>Estado de Avance proyecto BMBF</a:t>
             </a:r>
           </a:p>
         </p:txBody>
@@ -3738,10 +3792,1236 @@
           <a:chExt cx="0" cy="0"/>
         </a:xfrm>
       </p:grpSpPr>
+      <p:sp>
+        <p:nvSpPr>
+          <p:cNvPr id="5" name="Elipse 4"/>
+          <p:cNvSpPr/>
+          <p:nvPr/>
+        </p:nvSpPr>
+        <p:spPr>
+          <a:xfrm>
+            <a:off x="7502237" y="445769"/>
+            <a:ext cx="3013364" cy="1390821"/>
+          </a:xfrm>
+          <a:prstGeom prst="ellipse">
+            <a:avLst/>
+          </a:prstGeom>
+        </p:spPr>
+        <p:style>
+          <a:lnRef idx="2">
+            <a:schemeClr val="accent1">
+              <a:shade val="50000"/>
+            </a:schemeClr>
+          </a:lnRef>
+          <a:fillRef idx="1">
+            <a:schemeClr val="accent1"/>
+          </a:fillRef>
+          <a:effectRef idx="0">
+            <a:schemeClr val="accent1"/>
+          </a:effectRef>
+          <a:fontRef idx="minor">
+            <a:schemeClr val="lt1"/>
+          </a:fontRef>
+        </p:style>
+        <p:txBody>
+          <a:bodyPr rtlCol="0" anchor="ctr"/>
+          <a:lstStyle/>
+          <a:p>
+            <a:pPr algn="ctr"/>
+            <a:r>
+              <a:rPr lang="es-CL" b="1">
+                <a:latin typeface="Arial Narrow" panose="020B0606020202030204" pitchFamily="34" charset="0"/>
+              </a:rPr>
+              <a:t>Construcción de modelos nacionales y regionales</a:t>
+            </a:r>
+          </a:p>
+        </p:txBody>
+      </p:sp>
+      <p:sp>
+        <p:nvSpPr>
+          <p:cNvPr id="6" name="Elipse 5"/>
+          <p:cNvSpPr/>
+          <p:nvPr/>
+        </p:nvSpPr>
+        <p:spPr>
+          <a:xfrm>
+            <a:off x="3984913" y="1546945"/>
+            <a:ext cx="3361459" cy="1217037"/>
+          </a:xfrm>
+          <a:prstGeom prst="ellipse">
+            <a:avLst/>
+          </a:prstGeom>
+        </p:spPr>
+        <p:style>
+          <a:lnRef idx="2">
+            <a:schemeClr val="accent1">
+              <a:shade val="50000"/>
+            </a:schemeClr>
+          </a:lnRef>
+          <a:fillRef idx="1">
+            <a:schemeClr val="accent1"/>
+          </a:fillRef>
+          <a:effectRef idx="0">
+            <a:schemeClr val="accent1"/>
+          </a:effectRef>
+          <a:fontRef idx="minor">
+            <a:schemeClr val="lt1"/>
+          </a:fontRef>
+        </p:style>
+        <p:txBody>
+          <a:bodyPr rtlCol="0" anchor="ctr"/>
+          <a:lstStyle/>
+          <a:p>
+            <a:pPr algn="ctr"/>
+            <a:r>
+              <a:rPr lang="es-CL" b="1">
+                <a:latin typeface="Arial Narrow" panose="020B0606020202030204" pitchFamily="34" charset="0"/>
+              </a:rPr>
+              <a:t>Estimación y calibración</a:t>
+            </a:r>
+          </a:p>
+        </p:txBody>
+      </p:sp>
+      <p:sp>
+        <p:nvSpPr>
+          <p:cNvPr id="7" name="Elipse 6"/>
+          <p:cNvSpPr/>
+          <p:nvPr/>
+        </p:nvSpPr>
+        <p:spPr>
+          <a:xfrm>
+            <a:off x="883227" y="560069"/>
+            <a:ext cx="3013364" cy="1276521"/>
+          </a:xfrm>
+          <a:prstGeom prst="ellipse">
+            <a:avLst/>
+          </a:prstGeom>
+        </p:spPr>
+        <p:style>
+          <a:lnRef idx="2">
+            <a:schemeClr val="accent1">
+              <a:shade val="50000"/>
+            </a:schemeClr>
+          </a:lnRef>
+          <a:fillRef idx="1">
+            <a:schemeClr val="accent1"/>
+          </a:fillRef>
+          <a:effectRef idx="0">
+            <a:schemeClr val="accent1"/>
+          </a:effectRef>
+          <a:fontRef idx="minor">
+            <a:schemeClr val="lt1"/>
+          </a:fontRef>
+        </p:style>
+        <p:txBody>
+          <a:bodyPr rtlCol="0" anchor="ctr"/>
+          <a:lstStyle/>
+          <a:p>
+            <a:pPr algn="ctr"/>
+            <a:r>
+              <a:rPr lang="es-CL" b="1">
+                <a:latin typeface="Arial Narrow" panose="020B0606020202030204" pitchFamily="34" charset="0"/>
+              </a:rPr>
+              <a:t>Recopilación de datos</a:t>
+            </a:r>
+          </a:p>
+        </p:txBody>
+      </p:sp>
+      <p:sp>
+        <p:nvSpPr>
+          <p:cNvPr id="8" name="Elipse 7"/>
+          <p:cNvSpPr/>
+          <p:nvPr/>
+        </p:nvSpPr>
+        <p:spPr>
+          <a:xfrm>
+            <a:off x="4112199" y="3315223"/>
+            <a:ext cx="3106881" cy="1059871"/>
+          </a:xfrm>
+          <a:prstGeom prst="ellipse">
+            <a:avLst/>
+          </a:prstGeom>
+        </p:spPr>
+        <p:style>
+          <a:lnRef idx="2">
+            <a:schemeClr val="accent1">
+              <a:shade val="50000"/>
+            </a:schemeClr>
+          </a:lnRef>
+          <a:fillRef idx="1">
+            <a:schemeClr val="accent1"/>
+          </a:fillRef>
+          <a:effectRef idx="0">
+            <a:schemeClr val="accent1"/>
+          </a:effectRef>
+          <a:fontRef idx="minor">
+            <a:schemeClr val="lt1"/>
+          </a:fontRef>
+        </p:style>
+        <p:txBody>
+          <a:bodyPr rtlCol="0" anchor="ctr"/>
+          <a:lstStyle/>
+          <a:p>
+            <a:pPr algn="ctr"/>
+            <a:r>
+              <a:rPr lang="es-CL" b="1">
+                <a:latin typeface="Arial Narrow" panose="020B0606020202030204" pitchFamily="34" charset="0"/>
+              </a:rPr>
+              <a:t>Simulaciones y análisis de resultados</a:t>
+            </a:r>
+          </a:p>
+        </p:txBody>
+      </p:sp>
+      <p:sp>
+        <p:nvSpPr>
+          <p:cNvPr id="11" name="Flecha: doblada 10"/>
+          <p:cNvSpPr/>
+          <p:nvPr/>
+        </p:nvSpPr>
+        <p:spPr>
+          <a:xfrm rot="10800000">
+            <a:off x="7434694" y="1858996"/>
+            <a:ext cx="2088573" cy="626054"/>
+          </a:xfrm>
+          <a:prstGeom prst="bentArrow">
+            <a:avLst/>
+          </a:prstGeom>
+        </p:spPr>
+        <p:style>
+          <a:lnRef idx="1">
+            <a:schemeClr val="accent2"/>
+          </a:lnRef>
+          <a:fillRef idx="2">
+            <a:schemeClr val="accent2"/>
+          </a:fillRef>
+          <a:effectRef idx="1">
+            <a:schemeClr val="accent2"/>
+          </a:effectRef>
+          <a:fontRef idx="minor">
+            <a:schemeClr val="dk1"/>
+          </a:fontRef>
+        </p:style>
+        <p:txBody>
+          <a:bodyPr rtlCol="0" anchor="ctr"/>
+          <a:lstStyle/>
+          <a:p>
+            <a:pPr algn="ctr"/>
+            <a:endParaRPr lang="es-CL">
+              <a:solidFill>
+                <a:schemeClr val="tx1"/>
+              </a:solidFill>
+            </a:endParaRPr>
+          </a:p>
+        </p:txBody>
+      </p:sp>
+      <p:sp>
+        <p:nvSpPr>
+          <p:cNvPr id="12" name="Flecha: doblada 11"/>
+          <p:cNvSpPr/>
+          <p:nvPr/>
+        </p:nvSpPr>
+        <p:spPr>
+          <a:xfrm flipV="1">
+            <a:off x="1735282" y="1881401"/>
+            <a:ext cx="2161309" cy="581244"/>
+          </a:xfrm>
+          <a:prstGeom prst="bentArrow">
+            <a:avLst>
+              <a:gd name="adj1" fmla="val 25000"/>
+              <a:gd name="adj2" fmla="val 25000"/>
+              <a:gd name="adj3" fmla="val 25000"/>
+              <a:gd name="adj4" fmla="val 31425"/>
+            </a:avLst>
+          </a:prstGeom>
+        </p:spPr>
+        <p:style>
+          <a:lnRef idx="1">
+            <a:schemeClr val="accent2"/>
+          </a:lnRef>
+          <a:fillRef idx="2">
+            <a:schemeClr val="accent2"/>
+          </a:fillRef>
+          <a:effectRef idx="1">
+            <a:schemeClr val="accent2"/>
+          </a:effectRef>
+          <a:fontRef idx="minor">
+            <a:schemeClr val="dk1"/>
+          </a:fontRef>
+        </p:style>
+        <p:txBody>
+          <a:bodyPr rtlCol="0" anchor="ctr"/>
+          <a:lstStyle/>
+          <a:p>
+            <a:pPr algn="ctr"/>
+            <a:endParaRPr lang="es-CL">
+              <a:solidFill>
+                <a:schemeClr val="accent2">
+                  <a:lumMod val="40000"/>
+                  <a:lumOff val="60000"/>
+                </a:schemeClr>
+              </a:solidFill>
+            </a:endParaRPr>
+          </a:p>
+        </p:txBody>
+      </p:sp>
+      <p:sp>
+        <p:nvSpPr>
+          <p:cNvPr id="13" name="Flecha: hacia abajo 12"/>
+          <p:cNvSpPr/>
+          <p:nvPr/>
+        </p:nvSpPr>
+        <p:spPr>
+          <a:xfrm>
+            <a:off x="5152588" y="2847110"/>
+            <a:ext cx="1026104" cy="394855"/>
+          </a:xfrm>
+          <a:prstGeom prst="downArrow">
+            <a:avLst/>
+          </a:prstGeom>
+        </p:spPr>
+        <p:style>
+          <a:lnRef idx="1">
+            <a:schemeClr val="accent2"/>
+          </a:lnRef>
+          <a:fillRef idx="2">
+            <a:schemeClr val="accent2"/>
+          </a:fillRef>
+          <a:effectRef idx="1">
+            <a:schemeClr val="accent2"/>
+          </a:effectRef>
+          <a:fontRef idx="minor">
+            <a:schemeClr val="dk1"/>
+          </a:fontRef>
+        </p:style>
+        <p:txBody>
+          <a:bodyPr rtlCol="0" anchor="ctr"/>
+          <a:lstStyle/>
+          <a:p>
+            <a:pPr algn="ctr"/>
+            <a:endParaRPr lang="es-CL"/>
+          </a:p>
+        </p:txBody>
+      </p:sp>
+      <p:sp>
+        <p:nvSpPr>
+          <p:cNvPr id="14" name="Elipse 13"/>
+          <p:cNvSpPr/>
+          <p:nvPr/>
+        </p:nvSpPr>
+        <p:spPr>
+          <a:xfrm>
+            <a:off x="4112199" y="5010503"/>
+            <a:ext cx="3106881" cy="1376793"/>
+          </a:xfrm>
+          <a:prstGeom prst="ellipse">
+            <a:avLst/>
+          </a:prstGeom>
+        </p:spPr>
+        <p:style>
+          <a:lnRef idx="2">
+            <a:schemeClr val="accent1">
+              <a:shade val="50000"/>
+            </a:schemeClr>
+          </a:lnRef>
+          <a:fillRef idx="1">
+            <a:schemeClr val="accent1"/>
+          </a:fillRef>
+          <a:effectRef idx="0">
+            <a:schemeClr val="accent1"/>
+          </a:effectRef>
+          <a:fontRef idx="minor">
+            <a:schemeClr val="lt1"/>
+          </a:fontRef>
+        </p:style>
+        <p:txBody>
+          <a:bodyPr rtlCol="0" anchor="ctr"/>
+          <a:lstStyle/>
+          <a:p>
+            <a:pPr algn="ctr"/>
+            <a:r>
+              <a:rPr lang="es-CL" b="1">
+                <a:latin typeface="Arial Narrow" panose="020B0606020202030204" pitchFamily="34" charset="0"/>
+              </a:rPr>
+              <a:t>Generación de información para política regional</a:t>
+            </a:r>
+          </a:p>
+        </p:txBody>
+      </p:sp>
+      <p:sp>
+        <p:nvSpPr>
+          <p:cNvPr id="15" name="Flecha: hacia abajo 14"/>
+          <p:cNvSpPr/>
+          <p:nvPr/>
+        </p:nvSpPr>
+        <p:spPr>
+          <a:xfrm>
+            <a:off x="5152588" y="4448352"/>
+            <a:ext cx="1026104" cy="415635"/>
+          </a:xfrm>
+          <a:prstGeom prst="downArrow">
+            <a:avLst/>
+          </a:prstGeom>
+        </p:spPr>
+        <p:style>
+          <a:lnRef idx="1">
+            <a:schemeClr val="accent2"/>
+          </a:lnRef>
+          <a:fillRef idx="2">
+            <a:schemeClr val="accent2"/>
+          </a:fillRef>
+          <a:effectRef idx="1">
+            <a:schemeClr val="accent2"/>
+          </a:effectRef>
+          <a:fontRef idx="minor">
+            <a:schemeClr val="dk1"/>
+          </a:fontRef>
+        </p:style>
+        <p:txBody>
+          <a:bodyPr rtlCol="0" anchor="ctr"/>
+          <a:lstStyle/>
+          <a:p>
+            <a:pPr algn="ctr"/>
+            <a:endParaRPr lang="es-CL"/>
+          </a:p>
+        </p:txBody>
+      </p:sp>
     </p:spTree>
     <p:extLst>
       <p:ext uri="{BB962C8B-B14F-4D97-AF65-F5344CB8AC3E}">
         <p14:creationId xmlns:p14="http://schemas.microsoft.com/office/powerpoint/2010/main" val="3875541457"/>
+      </p:ext>
+    </p:extLst>
+  </p:cSld>
+  <p:clrMapOvr>
+    <a:masterClrMapping/>
+  </p:clrMapOvr>
+</p:sld>
+</file>
+
+<file path=ppt/slides/slide3.xml><?xml version="1.0" encoding="utf-8"?>
+<p:sld xmlns:a="http://schemas.openxmlformats.org/drawingml/2006/main" xmlns:r="http://schemas.openxmlformats.org/officeDocument/2006/relationships" xmlns:p="http://schemas.openxmlformats.org/presentationml/2006/main">
+  <p:cSld>
+    <p:spTree>
+      <p:nvGrpSpPr>
+        <p:cNvPr id="1" name=""/>
+        <p:cNvGrpSpPr/>
+        <p:nvPr/>
+      </p:nvGrpSpPr>
+      <p:grpSpPr>
+        <a:xfrm>
+          <a:off x="0" y="0"/>
+          <a:ext cx="0" cy="0"/>
+          <a:chOff x="0" y="0"/>
+          <a:chExt cx="0" cy="0"/>
+        </a:xfrm>
+      </p:grpSpPr>
+      <p:sp>
+        <p:nvSpPr>
+          <p:cNvPr id="4" name="Diagrama de flujo: proceso alternativo 3">
+            <a:extLst>
+              <a:ext uri="{FF2B5EF4-FFF2-40B4-BE49-F238E27FC236}">
+                <a16:creationId xmlns:a16="http://schemas.microsoft.com/office/drawing/2014/main" id="{7E5046E8-2DA0-4914-A0F4-BAF1AB6BD4B3}"/>
+              </a:ext>
+            </a:extLst>
+          </p:cNvPr>
+          <p:cNvSpPr/>
+          <p:nvPr/>
+        </p:nvSpPr>
+        <p:spPr>
+          <a:xfrm>
+            <a:off x="1087862" y="2679359"/>
+            <a:ext cx="1634490" cy="845820"/>
+          </a:xfrm>
+          <a:prstGeom prst="flowChartAlternateProcess">
+            <a:avLst/>
+          </a:prstGeom>
+          <a:solidFill>
+            <a:schemeClr val="accent5">
+              <a:lumMod val="75000"/>
+            </a:schemeClr>
+          </a:solidFill>
+          <a:ln w="9525">
+            <a:solidFill>
+              <a:schemeClr val="tx1"/>
+            </a:solidFill>
+          </a:ln>
+        </p:spPr>
+        <p:style>
+          <a:lnRef idx="2">
+            <a:schemeClr val="accent1">
+              <a:shade val="50000"/>
+            </a:schemeClr>
+          </a:lnRef>
+          <a:fillRef idx="1">
+            <a:schemeClr val="accent1"/>
+          </a:fillRef>
+          <a:effectRef idx="0">
+            <a:schemeClr val="accent1"/>
+          </a:effectRef>
+          <a:fontRef idx="minor">
+            <a:schemeClr val="lt1"/>
+          </a:fontRef>
+        </p:style>
+        <p:txBody>
+          <a:bodyPr rtlCol="0" anchor="ctr"/>
+          <a:lstStyle/>
+          <a:p>
+            <a:pPr algn="ctr"/>
+            <a:r>
+              <a:rPr lang="es-CL" b="1">
+                <a:latin typeface="Arial Narrow" panose="020B0606020202030204" pitchFamily="34" charset="0"/>
+              </a:rPr>
+              <a:t>Gobierno</a:t>
+            </a:r>
+          </a:p>
+        </p:txBody>
+      </p:sp>
+      <p:sp>
+        <p:nvSpPr>
+          <p:cNvPr id="6" name="Diagrama de flujo: proceso alternativo 5">
+            <a:extLst>
+              <a:ext uri="{FF2B5EF4-FFF2-40B4-BE49-F238E27FC236}">
+                <a16:creationId xmlns:a16="http://schemas.microsoft.com/office/drawing/2014/main" id="{AE5EB325-5707-41EB-9311-93C2B33BCDBE}"/>
+              </a:ext>
+            </a:extLst>
+          </p:cNvPr>
+          <p:cNvSpPr/>
+          <p:nvPr/>
+        </p:nvSpPr>
+        <p:spPr>
+          <a:xfrm>
+            <a:off x="6360133" y="5022958"/>
+            <a:ext cx="2091690" cy="697230"/>
+          </a:xfrm>
+          <a:prstGeom prst="flowChartAlternateProcess">
+            <a:avLst/>
+          </a:prstGeom>
+          <a:solidFill>
+            <a:schemeClr val="accent5">
+              <a:lumMod val="75000"/>
+            </a:schemeClr>
+          </a:solidFill>
+          <a:ln>
+            <a:solidFill>
+              <a:schemeClr val="tx1"/>
+            </a:solidFill>
+          </a:ln>
+        </p:spPr>
+        <p:style>
+          <a:lnRef idx="2">
+            <a:schemeClr val="accent1">
+              <a:shade val="50000"/>
+            </a:schemeClr>
+          </a:lnRef>
+          <a:fillRef idx="1">
+            <a:schemeClr val="accent1"/>
+          </a:fillRef>
+          <a:effectRef idx="0">
+            <a:schemeClr val="accent1"/>
+          </a:effectRef>
+          <a:fontRef idx="minor">
+            <a:schemeClr val="lt1"/>
+          </a:fontRef>
+        </p:style>
+        <p:txBody>
+          <a:bodyPr rtlCol="0" anchor="ctr"/>
+          <a:lstStyle/>
+          <a:p>
+            <a:pPr algn="ctr"/>
+            <a:r>
+              <a:rPr lang="es-CL" b="1">
+                <a:latin typeface="Arial Narrow" panose="020B0606020202030204" pitchFamily="34" charset="0"/>
+              </a:rPr>
+              <a:t>Hogares</a:t>
+            </a:r>
+          </a:p>
+        </p:txBody>
+      </p:sp>
+      <p:sp>
+        <p:nvSpPr>
+          <p:cNvPr id="7" name="Diagrama de flujo: proceso alternativo 6">
+            <a:extLst>
+              <a:ext uri="{FF2B5EF4-FFF2-40B4-BE49-F238E27FC236}">
+                <a16:creationId xmlns:a16="http://schemas.microsoft.com/office/drawing/2014/main" id="{F626D27F-23D6-4351-8E90-2EFD3245A610}"/>
+              </a:ext>
+            </a:extLst>
+          </p:cNvPr>
+          <p:cNvSpPr/>
+          <p:nvPr/>
+        </p:nvSpPr>
+        <p:spPr>
+          <a:xfrm>
+            <a:off x="6704665" y="659083"/>
+            <a:ext cx="1817370" cy="1017270"/>
+          </a:xfrm>
+          <a:prstGeom prst="flowChartAlternateProcess">
+            <a:avLst/>
+          </a:prstGeom>
+          <a:solidFill>
+            <a:schemeClr val="accent5">
+              <a:lumMod val="75000"/>
+            </a:schemeClr>
+          </a:solidFill>
+          <a:ln>
+            <a:solidFill>
+              <a:schemeClr val="tx1"/>
+            </a:solidFill>
+          </a:ln>
+        </p:spPr>
+        <p:style>
+          <a:lnRef idx="2">
+            <a:schemeClr val="accent1">
+              <a:shade val="50000"/>
+            </a:schemeClr>
+          </a:lnRef>
+          <a:fillRef idx="1">
+            <a:schemeClr val="accent1"/>
+          </a:fillRef>
+          <a:effectRef idx="0">
+            <a:schemeClr val="accent1"/>
+          </a:effectRef>
+          <a:fontRef idx="minor">
+            <a:schemeClr val="lt1"/>
+          </a:fontRef>
+        </p:style>
+        <p:txBody>
+          <a:bodyPr rtlCol="0" anchor="ctr"/>
+          <a:lstStyle/>
+          <a:p>
+            <a:pPr algn="ctr"/>
+            <a:r>
+              <a:rPr lang="es-CL" b="1">
+                <a:latin typeface="Arial Narrow" panose="020B0606020202030204" pitchFamily="34" charset="0"/>
+              </a:rPr>
+              <a:t>Firmas</a:t>
+            </a:r>
+          </a:p>
+        </p:txBody>
+      </p:sp>
+      <p:sp>
+        <p:nvSpPr>
+          <p:cNvPr id="8" name="Diagrama de flujo: proceso alternativo 7">
+            <a:extLst>
+              <a:ext uri="{FF2B5EF4-FFF2-40B4-BE49-F238E27FC236}">
+                <a16:creationId xmlns:a16="http://schemas.microsoft.com/office/drawing/2014/main" id="{85C7899C-3E6B-40E4-9815-7E661B0AE183}"/>
+              </a:ext>
+            </a:extLst>
+          </p:cNvPr>
+          <p:cNvSpPr/>
+          <p:nvPr/>
+        </p:nvSpPr>
+        <p:spPr>
+          <a:xfrm>
+            <a:off x="3852703" y="3371734"/>
+            <a:ext cx="1651635" cy="800100"/>
+          </a:xfrm>
+          <a:prstGeom prst="flowChartAlternateProcess">
+            <a:avLst/>
+          </a:prstGeom>
+          <a:solidFill>
+            <a:schemeClr val="accent5">
+              <a:lumMod val="75000"/>
+            </a:schemeClr>
+          </a:solidFill>
+          <a:ln>
+            <a:solidFill>
+              <a:schemeClr val="tx1"/>
+            </a:solidFill>
+          </a:ln>
+        </p:spPr>
+        <p:style>
+          <a:lnRef idx="2">
+            <a:schemeClr val="accent1">
+              <a:shade val="50000"/>
+            </a:schemeClr>
+          </a:lnRef>
+          <a:fillRef idx="1">
+            <a:schemeClr val="accent1"/>
+          </a:fillRef>
+          <a:effectRef idx="0">
+            <a:schemeClr val="accent1"/>
+          </a:effectRef>
+          <a:fontRef idx="minor">
+            <a:schemeClr val="lt1"/>
+          </a:fontRef>
+        </p:style>
+        <p:txBody>
+          <a:bodyPr rtlCol="0" anchor="ctr"/>
+          <a:lstStyle/>
+          <a:p>
+            <a:pPr algn="ctr"/>
+            <a:r>
+              <a:rPr lang="es-CL" b="1">
+                <a:latin typeface="Arial Narrow" panose="020B0606020202030204" pitchFamily="34" charset="0"/>
+              </a:rPr>
+              <a:t>Mercado de Capitales</a:t>
+            </a:r>
+          </a:p>
+        </p:txBody>
+      </p:sp>
+      <p:sp>
+        <p:nvSpPr>
+          <p:cNvPr id="10" name="Flecha: curvada hacia la izquierda 9">
+            <a:extLst>
+              <a:ext uri="{FF2B5EF4-FFF2-40B4-BE49-F238E27FC236}">
+                <a16:creationId xmlns:a16="http://schemas.microsoft.com/office/drawing/2014/main" id="{93CFEB44-27B4-47F8-9DBF-9BAEC1FB2D32}"/>
+              </a:ext>
+            </a:extLst>
+          </p:cNvPr>
+          <p:cNvSpPr/>
+          <p:nvPr/>
+        </p:nvSpPr>
+        <p:spPr>
+          <a:xfrm>
+            <a:off x="8645753" y="1203320"/>
+            <a:ext cx="2003304" cy="4516868"/>
+          </a:xfrm>
+          <a:prstGeom prst="curvedLeftArrow">
+            <a:avLst>
+              <a:gd name="adj1" fmla="val 12806"/>
+              <a:gd name="adj2" fmla="val 50000"/>
+              <a:gd name="adj3" fmla="val 25000"/>
+            </a:avLst>
+          </a:prstGeom>
+          <a:solidFill>
+            <a:schemeClr val="accent2">
+              <a:lumMod val="40000"/>
+              <a:lumOff val="60000"/>
+            </a:schemeClr>
+          </a:solidFill>
+          <a:ln w="12700">
+            <a:solidFill>
+              <a:schemeClr val="tx1"/>
+            </a:solidFill>
+          </a:ln>
+        </p:spPr>
+        <p:style>
+          <a:lnRef idx="2">
+            <a:schemeClr val="accent1">
+              <a:shade val="50000"/>
+            </a:schemeClr>
+          </a:lnRef>
+          <a:fillRef idx="1">
+            <a:schemeClr val="accent1"/>
+          </a:fillRef>
+          <a:effectRef idx="0">
+            <a:schemeClr val="accent1"/>
+          </a:effectRef>
+          <a:fontRef idx="minor">
+            <a:schemeClr val="lt1"/>
+          </a:fontRef>
+        </p:style>
+        <p:txBody>
+          <a:bodyPr rtlCol="0" anchor="ctr"/>
+          <a:lstStyle/>
+          <a:p>
+            <a:pPr algn="ctr"/>
+            <a:endParaRPr lang="es-CL">
+              <a:solidFill>
+                <a:schemeClr val="tx1"/>
+              </a:solidFill>
+            </a:endParaRPr>
+          </a:p>
+        </p:txBody>
+      </p:sp>
+      <p:sp>
+        <p:nvSpPr>
+          <p:cNvPr id="13" name="Flecha: hacia abajo 12">
+            <a:extLst>
+              <a:ext uri="{FF2B5EF4-FFF2-40B4-BE49-F238E27FC236}">
+                <a16:creationId xmlns:a16="http://schemas.microsoft.com/office/drawing/2014/main" id="{0FCDF7DA-6DB4-41F7-9574-AF1BF10B32E6}"/>
+              </a:ext>
+            </a:extLst>
+          </p:cNvPr>
+          <p:cNvSpPr/>
+          <p:nvPr/>
+        </p:nvSpPr>
+        <p:spPr>
+          <a:xfrm rot="18524830" flipV="1">
+            <a:off x="5360018" y="4211729"/>
+            <a:ext cx="287100" cy="1183647"/>
+          </a:xfrm>
+          <a:prstGeom prst="downArrow">
+            <a:avLst/>
+          </a:prstGeom>
+          <a:solidFill>
+            <a:schemeClr val="accent2">
+              <a:lumMod val="40000"/>
+              <a:lumOff val="60000"/>
+            </a:schemeClr>
+          </a:solidFill>
+        </p:spPr>
+        <p:style>
+          <a:lnRef idx="2">
+            <a:schemeClr val="accent1">
+              <a:shade val="50000"/>
+            </a:schemeClr>
+          </a:lnRef>
+          <a:fillRef idx="1">
+            <a:schemeClr val="accent1"/>
+          </a:fillRef>
+          <a:effectRef idx="0">
+            <a:schemeClr val="accent1"/>
+          </a:effectRef>
+          <a:fontRef idx="minor">
+            <a:schemeClr val="lt1"/>
+          </a:fontRef>
+        </p:style>
+        <p:txBody>
+          <a:bodyPr rtlCol="0" anchor="ctr"/>
+          <a:lstStyle/>
+          <a:p>
+            <a:pPr algn="ctr"/>
+            <a:endParaRPr lang="es-CL"/>
+          </a:p>
+        </p:txBody>
+      </p:sp>
+      <p:sp>
+        <p:nvSpPr>
+          <p:cNvPr id="14" name="Flecha: hacia abajo 13">
+            <a:extLst>
+              <a:ext uri="{FF2B5EF4-FFF2-40B4-BE49-F238E27FC236}">
+                <a16:creationId xmlns:a16="http://schemas.microsoft.com/office/drawing/2014/main" id="{74784DFD-30F4-4F6E-BE32-3C318BB0C7BE}"/>
+              </a:ext>
+            </a:extLst>
+          </p:cNvPr>
+          <p:cNvSpPr/>
+          <p:nvPr/>
+        </p:nvSpPr>
+        <p:spPr>
+          <a:xfrm rot="1980031" flipH="1" flipV="1">
+            <a:off x="5779046" y="1169115"/>
+            <a:ext cx="276550" cy="2268191"/>
+          </a:xfrm>
+          <a:prstGeom prst="downArrow">
+            <a:avLst/>
+          </a:prstGeom>
+          <a:solidFill>
+            <a:schemeClr val="accent2">
+              <a:lumMod val="40000"/>
+              <a:lumOff val="60000"/>
+            </a:schemeClr>
+          </a:solidFill>
+        </p:spPr>
+        <p:style>
+          <a:lnRef idx="2">
+            <a:schemeClr val="accent1">
+              <a:shade val="50000"/>
+            </a:schemeClr>
+          </a:lnRef>
+          <a:fillRef idx="1">
+            <a:schemeClr val="accent1"/>
+          </a:fillRef>
+          <a:effectRef idx="0">
+            <a:schemeClr val="accent1"/>
+          </a:effectRef>
+          <a:fontRef idx="minor">
+            <a:schemeClr val="lt1"/>
+          </a:fontRef>
+        </p:style>
+        <p:txBody>
+          <a:bodyPr rtlCol="0" anchor="ctr"/>
+          <a:lstStyle/>
+          <a:p>
+            <a:pPr algn="ctr"/>
+            <a:endParaRPr lang="es-CL"/>
+          </a:p>
+        </p:txBody>
+      </p:sp>
+      <p:sp>
+        <p:nvSpPr>
+          <p:cNvPr id="15" name="Flecha: hacia abajo 14">
+            <a:extLst>
+              <a:ext uri="{FF2B5EF4-FFF2-40B4-BE49-F238E27FC236}">
+                <a16:creationId xmlns:a16="http://schemas.microsoft.com/office/drawing/2014/main" id="{C43BC8A6-082F-48C5-8FDA-349D1C5661FD}"/>
+              </a:ext>
+            </a:extLst>
+          </p:cNvPr>
+          <p:cNvSpPr/>
+          <p:nvPr/>
+        </p:nvSpPr>
+        <p:spPr>
+          <a:xfrm rot="4469240" flipH="1" flipV="1">
+            <a:off x="3835463" y="-400484"/>
+            <a:ext cx="271496" cy="4660973"/>
+          </a:xfrm>
+          <a:prstGeom prst="downArrow">
+            <a:avLst/>
+          </a:prstGeom>
+          <a:solidFill>
+            <a:schemeClr val="accent2">
+              <a:lumMod val="40000"/>
+              <a:lumOff val="60000"/>
+            </a:schemeClr>
+          </a:solidFill>
+        </p:spPr>
+        <p:style>
+          <a:lnRef idx="2">
+            <a:schemeClr val="accent1">
+              <a:shade val="50000"/>
+            </a:schemeClr>
+          </a:lnRef>
+          <a:fillRef idx="1">
+            <a:schemeClr val="accent1"/>
+          </a:fillRef>
+          <a:effectRef idx="0">
+            <a:schemeClr val="accent1"/>
+          </a:effectRef>
+          <a:fontRef idx="minor">
+            <a:schemeClr val="lt1"/>
+          </a:fontRef>
+        </p:style>
+        <p:txBody>
+          <a:bodyPr rtlCol="0" anchor="ctr"/>
+          <a:lstStyle/>
+          <a:p>
+            <a:pPr algn="ctr"/>
+            <a:endParaRPr lang="es-CL"/>
+          </a:p>
+        </p:txBody>
+      </p:sp>
+      <p:sp>
+        <p:nvSpPr>
+          <p:cNvPr id="16" name="Flecha: hacia abajo 15">
+            <a:extLst>
+              <a:ext uri="{FF2B5EF4-FFF2-40B4-BE49-F238E27FC236}">
+                <a16:creationId xmlns:a16="http://schemas.microsoft.com/office/drawing/2014/main" id="{70A6D26C-0D07-4163-B633-0771E910ED25}"/>
+              </a:ext>
+            </a:extLst>
+          </p:cNvPr>
+          <p:cNvSpPr/>
+          <p:nvPr/>
+        </p:nvSpPr>
+        <p:spPr>
+          <a:xfrm rot="17944197" flipV="1">
+            <a:off x="4264246" y="2528682"/>
+            <a:ext cx="287100" cy="4079359"/>
+          </a:xfrm>
+          <a:prstGeom prst="downArrow">
+            <a:avLst/>
+          </a:prstGeom>
+          <a:solidFill>
+            <a:schemeClr val="accent2">
+              <a:lumMod val="40000"/>
+              <a:lumOff val="60000"/>
+            </a:schemeClr>
+          </a:solidFill>
+        </p:spPr>
+        <p:style>
+          <a:lnRef idx="2">
+            <a:schemeClr val="accent1">
+              <a:shade val="50000"/>
+            </a:schemeClr>
+          </a:lnRef>
+          <a:fillRef idx="1">
+            <a:schemeClr val="accent1"/>
+          </a:fillRef>
+          <a:effectRef idx="0">
+            <a:schemeClr val="accent1"/>
+          </a:effectRef>
+          <a:fontRef idx="minor">
+            <a:schemeClr val="lt1"/>
+          </a:fontRef>
+        </p:style>
+        <p:txBody>
+          <a:bodyPr rtlCol="0" anchor="ctr"/>
+          <a:lstStyle/>
+          <a:p>
+            <a:pPr algn="ctr"/>
+            <a:endParaRPr lang="es-CL"/>
+          </a:p>
+        </p:txBody>
+      </p:sp>
+      <p:sp>
+        <p:nvSpPr>
+          <p:cNvPr id="18" name="Flecha: curvada hacia la izquierda 17">
+            <a:extLst>
+              <a:ext uri="{FF2B5EF4-FFF2-40B4-BE49-F238E27FC236}">
+                <a16:creationId xmlns:a16="http://schemas.microsoft.com/office/drawing/2014/main" id="{99E29929-9FE1-4542-97E3-7B532F63480A}"/>
+              </a:ext>
+            </a:extLst>
+          </p:cNvPr>
+          <p:cNvSpPr/>
+          <p:nvPr/>
+        </p:nvSpPr>
+        <p:spPr>
+          <a:xfrm flipH="1" flipV="1">
+            <a:off x="603885" y="825210"/>
+            <a:ext cx="4560570" cy="4606180"/>
+          </a:xfrm>
+          <a:prstGeom prst="curvedLeftArrow">
+            <a:avLst>
+              <a:gd name="adj1" fmla="val 1268"/>
+              <a:gd name="adj2" fmla="val 8789"/>
+              <a:gd name="adj3" fmla="val 13674"/>
+            </a:avLst>
+          </a:prstGeom>
+          <a:solidFill>
+            <a:schemeClr val="accent2">
+              <a:lumMod val="40000"/>
+              <a:lumOff val="60000"/>
+            </a:schemeClr>
+          </a:solidFill>
+        </p:spPr>
+        <p:style>
+          <a:lnRef idx="2">
+            <a:schemeClr val="accent1">
+              <a:shade val="50000"/>
+            </a:schemeClr>
+          </a:lnRef>
+          <a:fillRef idx="1">
+            <a:schemeClr val="accent1"/>
+          </a:fillRef>
+          <a:effectRef idx="0">
+            <a:schemeClr val="accent1"/>
+          </a:effectRef>
+          <a:fontRef idx="minor">
+            <a:schemeClr val="lt1"/>
+          </a:fontRef>
+        </p:style>
+        <p:txBody>
+          <a:bodyPr rtlCol="0" anchor="ctr"/>
+          <a:lstStyle/>
+          <a:p>
+            <a:pPr algn="ctr"/>
+            <a:endParaRPr lang="es-CL">
+              <a:solidFill>
+                <a:schemeClr val="tx1"/>
+              </a:solidFill>
+            </a:endParaRPr>
+          </a:p>
+        </p:txBody>
+      </p:sp>
+      <p:sp>
+        <p:nvSpPr>
+          <p:cNvPr id="19" name="CuadroTexto 18">
+            <a:extLst>
+              <a:ext uri="{FF2B5EF4-FFF2-40B4-BE49-F238E27FC236}">
+                <a16:creationId xmlns:a16="http://schemas.microsoft.com/office/drawing/2014/main" id="{2F466E5D-1E0C-4A1E-8968-BA9B95E7104A}"/>
+              </a:ext>
+            </a:extLst>
+          </p:cNvPr>
+          <p:cNvSpPr txBox="1"/>
+          <p:nvPr/>
+        </p:nvSpPr>
+        <p:spPr>
+          <a:xfrm>
+            <a:off x="10649057" y="3082529"/>
+            <a:ext cx="1200150" cy="369332"/>
+          </a:xfrm>
+          <a:prstGeom prst="rect">
+            <a:avLst/>
+          </a:prstGeom>
+          <a:noFill/>
+        </p:spPr>
+        <p:txBody>
+          <a:bodyPr wrap="square" rtlCol="0">
+            <a:spAutoFit/>
+          </a:bodyPr>
+          <a:lstStyle/>
+          <a:p>
+            <a:r>
+              <a:rPr lang="es-CL" b="1">
+                <a:latin typeface="Arial Narrow" panose="020B0606020202030204" pitchFamily="34" charset="0"/>
+              </a:rPr>
+              <a:t>Ingresos</a:t>
+            </a:r>
+          </a:p>
+        </p:txBody>
+      </p:sp>
+      <p:sp>
+        <p:nvSpPr>
+          <p:cNvPr id="20" name="CuadroTexto 19">
+            <a:extLst>
+              <a:ext uri="{FF2B5EF4-FFF2-40B4-BE49-F238E27FC236}">
+                <a16:creationId xmlns:a16="http://schemas.microsoft.com/office/drawing/2014/main" id="{25A20A57-AF1D-41F5-A028-CB6204B8F053}"/>
+              </a:ext>
+            </a:extLst>
+          </p:cNvPr>
+          <p:cNvSpPr txBox="1"/>
+          <p:nvPr/>
+        </p:nvSpPr>
+        <p:spPr>
+          <a:xfrm>
+            <a:off x="5760058" y="2957502"/>
+            <a:ext cx="1200150" cy="369332"/>
+          </a:xfrm>
+          <a:prstGeom prst="rect">
+            <a:avLst/>
+          </a:prstGeom>
+          <a:noFill/>
+        </p:spPr>
+        <p:txBody>
+          <a:bodyPr wrap="square" rtlCol="0">
+            <a:spAutoFit/>
+          </a:bodyPr>
+          <a:lstStyle/>
+          <a:p>
+            <a:r>
+              <a:rPr lang="es-CL" b="1">
+                <a:latin typeface="Arial Narrow" panose="020B0606020202030204" pitchFamily="34" charset="0"/>
+              </a:rPr>
+              <a:t>Inversión</a:t>
+            </a:r>
+          </a:p>
+        </p:txBody>
+      </p:sp>
+      <p:sp>
+        <p:nvSpPr>
+          <p:cNvPr id="21" name="CuadroTexto 20">
+            <a:extLst>
+              <a:ext uri="{FF2B5EF4-FFF2-40B4-BE49-F238E27FC236}">
+                <a16:creationId xmlns:a16="http://schemas.microsoft.com/office/drawing/2014/main" id="{F888685B-B8C6-4B60-B3DE-B7BF76A0325C}"/>
+              </a:ext>
+            </a:extLst>
+          </p:cNvPr>
+          <p:cNvSpPr txBox="1"/>
+          <p:nvPr/>
+        </p:nvSpPr>
+        <p:spPr>
+          <a:xfrm>
+            <a:off x="5608544" y="4321182"/>
+            <a:ext cx="1200150" cy="369332"/>
+          </a:xfrm>
+          <a:prstGeom prst="rect">
+            <a:avLst/>
+          </a:prstGeom>
+          <a:noFill/>
+        </p:spPr>
+        <p:txBody>
+          <a:bodyPr wrap="square" rtlCol="0">
+            <a:spAutoFit/>
+          </a:bodyPr>
+          <a:lstStyle/>
+          <a:p>
+            <a:r>
+              <a:rPr lang="es-CL" b="1">
+                <a:latin typeface="Arial Narrow" panose="020B0606020202030204" pitchFamily="34" charset="0"/>
+              </a:rPr>
+              <a:t>Ahorros</a:t>
+            </a:r>
+          </a:p>
+        </p:txBody>
+      </p:sp>
+      <p:sp>
+        <p:nvSpPr>
+          <p:cNvPr id="22" name="CuadroTexto 21">
+            <a:extLst>
+              <a:ext uri="{FF2B5EF4-FFF2-40B4-BE49-F238E27FC236}">
+                <a16:creationId xmlns:a16="http://schemas.microsoft.com/office/drawing/2014/main" id="{627526A7-0CEB-4B41-9574-1A3AA10A0A6A}"/>
+              </a:ext>
+            </a:extLst>
+          </p:cNvPr>
+          <p:cNvSpPr txBox="1"/>
+          <p:nvPr/>
+        </p:nvSpPr>
+        <p:spPr>
+          <a:xfrm>
+            <a:off x="2632499" y="4403512"/>
+            <a:ext cx="1792223" cy="923330"/>
+          </a:xfrm>
+          <a:prstGeom prst="rect">
+            <a:avLst/>
+          </a:prstGeom>
+          <a:noFill/>
+        </p:spPr>
+        <p:txBody>
+          <a:bodyPr wrap="square" rtlCol="0">
+            <a:spAutoFit/>
+          </a:bodyPr>
+          <a:lstStyle/>
+          <a:p>
+            <a:r>
+              <a:rPr lang="es-CL" b="1">
+                <a:latin typeface="Arial Narrow" panose="020B0606020202030204" pitchFamily="34" charset="0"/>
+              </a:rPr>
+              <a:t>Transferencias via impuestos </a:t>
+            </a:r>
+            <a:r>
+              <a:rPr lang="es-CL"/>
+              <a:t>	</a:t>
+            </a:r>
+          </a:p>
+        </p:txBody>
+      </p:sp>
+      <p:sp>
+        <p:nvSpPr>
+          <p:cNvPr id="23" name="CuadroTexto 22">
+            <a:extLst>
+              <a:ext uri="{FF2B5EF4-FFF2-40B4-BE49-F238E27FC236}">
+                <a16:creationId xmlns:a16="http://schemas.microsoft.com/office/drawing/2014/main" id="{99851CC6-4762-4A33-B9DE-C38CD636CCA2}"/>
+              </a:ext>
+            </a:extLst>
+          </p:cNvPr>
+          <p:cNvSpPr txBox="1"/>
+          <p:nvPr/>
+        </p:nvSpPr>
+        <p:spPr>
+          <a:xfrm>
+            <a:off x="2328460" y="847850"/>
+            <a:ext cx="1200150" cy="369332"/>
+          </a:xfrm>
+          <a:prstGeom prst="rect">
+            <a:avLst/>
+          </a:prstGeom>
+          <a:noFill/>
+        </p:spPr>
+        <p:txBody>
+          <a:bodyPr wrap="square" rtlCol="0">
+            <a:spAutoFit/>
+          </a:bodyPr>
+          <a:lstStyle/>
+          <a:p>
+            <a:r>
+              <a:rPr lang="es-CL" b="1">
+                <a:latin typeface="Arial Narrow" panose="020B0606020202030204" pitchFamily="34" charset="0"/>
+              </a:rPr>
+              <a:t>Consumo</a:t>
+            </a:r>
+          </a:p>
+        </p:txBody>
+      </p:sp>
+      <p:sp>
+        <p:nvSpPr>
+          <p:cNvPr id="24" name="CuadroTexto 23">
+            <a:extLst>
+              <a:ext uri="{FF2B5EF4-FFF2-40B4-BE49-F238E27FC236}">
+                <a16:creationId xmlns:a16="http://schemas.microsoft.com/office/drawing/2014/main" id="{CD5B4531-7FE9-44AA-A0FD-E1B6A2C86F28}"/>
+              </a:ext>
+            </a:extLst>
+          </p:cNvPr>
+          <p:cNvSpPr txBox="1"/>
+          <p:nvPr/>
+        </p:nvSpPr>
+        <p:spPr>
+          <a:xfrm>
+            <a:off x="3613696" y="2037768"/>
+            <a:ext cx="1321145" cy="646331"/>
+          </a:xfrm>
+          <a:prstGeom prst="rect">
+            <a:avLst/>
+          </a:prstGeom>
+          <a:noFill/>
+        </p:spPr>
+        <p:txBody>
+          <a:bodyPr wrap="square" rtlCol="0">
+            <a:spAutoFit/>
+          </a:bodyPr>
+          <a:lstStyle/>
+          <a:p>
+            <a:r>
+              <a:rPr lang="es-CL" b="1">
+                <a:latin typeface="Arial Narrow" panose="020B0606020202030204" pitchFamily="34" charset="0"/>
+              </a:rPr>
+              <a:t>Gasto de Gobierno</a:t>
+            </a:r>
+          </a:p>
+        </p:txBody>
+      </p:sp>
+    </p:spTree>
+    <p:extLst>
+      <p:ext uri="{BB962C8B-B14F-4D97-AF65-F5344CB8AC3E}">
+        <p14:creationId xmlns:p14="http://schemas.microsoft.com/office/powerpoint/2010/main" val="706643512"/>
       </p:ext>
     </p:extLst>
   </p:cSld>
